--- a/SpaceWarUI.pptx
+++ b/SpaceWarUI.pptx
@@ -6,6 +6,7 @@
   </p:sldMasterIdLst>
   <p:sldIdLst>
     <p:sldId id="256" r:id="rId2"/>
+    <p:sldId id="257" r:id="rId3"/>
   </p:sldIdLst>
   <p:sldSz cx="12192000" cy="6858000"/>
   <p:notesSz cx="6858000" cy="9144000"/>
@@ -104,6 +105,11 @@
       </a:defRPr>
     </a:lvl9pPr>
   </p:defaultTextStyle>
+  <p:extLst>
+    <p:ext uri="{EFAFB233-063F-42B5-8137-9DF3F51BA10A}">
+      <p15:sldGuideLst xmlns:p15="http://schemas.microsoft.com/office/powerpoint/2012/main"/>
+    </p:ext>
+  </p:extLst>
 </p:presentation>
 </file>
 
@@ -254,7 +260,7 @@
           <a:p>
             <a:fld id="{A321D4C0-0988-4C18-896E-94CA20B3891B}" type="datetimeFigureOut">
               <a:rPr kumimoji="1" lang="ja-JP" altLang="en-US" smtClean="0"/>
-              <a:t>2021/9/12</a:t>
+              <a:t>2022/1/6</a:t>
             </a:fld>
             <a:endParaRPr kumimoji="1" lang="ja-JP" altLang="en-US"/>
           </a:p>
@@ -484,7 +490,7 @@
           <a:p>
             <a:fld id="{A321D4C0-0988-4C18-896E-94CA20B3891B}" type="datetimeFigureOut">
               <a:rPr kumimoji="1" lang="ja-JP" altLang="en-US" smtClean="0"/>
-              <a:t>2021/9/12</a:t>
+              <a:t>2022/1/6</a:t>
             </a:fld>
             <a:endParaRPr kumimoji="1" lang="ja-JP" altLang="en-US"/>
           </a:p>
@@ -724,7 +730,7 @@
           <a:p>
             <a:fld id="{A321D4C0-0988-4C18-896E-94CA20B3891B}" type="datetimeFigureOut">
               <a:rPr kumimoji="1" lang="ja-JP" altLang="en-US" smtClean="0"/>
-              <a:t>2021/9/12</a:t>
+              <a:t>2022/1/6</a:t>
             </a:fld>
             <a:endParaRPr kumimoji="1" lang="ja-JP" altLang="en-US"/>
           </a:p>
@@ -954,7 +960,7 @@
           <a:p>
             <a:fld id="{A321D4C0-0988-4C18-896E-94CA20B3891B}" type="datetimeFigureOut">
               <a:rPr kumimoji="1" lang="ja-JP" altLang="en-US" smtClean="0"/>
-              <a:t>2021/9/12</a:t>
+              <a:t>2022/1/6</a:t>
             </a:fld>
             <a:endParaRPr kumimoji="1" lang="ja-JP" altLang="en-US"/>
           </a:p>
@@ -1229,7 +1235,7 @@
           <a:p>
             <a:fld id="{A321D4C0-0988-4C18-896E-94CA20B3891B}" type="datetimeFigureOut">
               <a:rPr kumimoji="1" lang="ja-JP" altLang="en-US" smtClean="0"/>
-              <a:t>2021/9/12</a:t>
+              <a:t>2022/1/6</a:t>
             </a:fld>
             <a:endParaRPr kumimoji="1" lang="ja-JP" altLang="en-US"/>
           </a:p>
@@ -1558,7 +1564,7 @@
           <a:p>
             <a:fld id="{A321D4C0-0988-4C18-896E-94CA20B3891B}" type="datetimeFigureOut">
               <a:rPr kumimoji="1" lang="ja-JP" altLang="en-US" smtClean="0"/>
-              <a:t>2021/9/12</a:t>
+              <a:t>2022/1/6</a:t>
             </a:fld>
             <a:endParaRPr kumimoji="1" lang="ja-JP" altLang="en-US"/>
           </a:p>
@@ -2034,7 +2040,7 @@
           <a:p>
             <a:fld id="{A321D4C0-0988-4C18-896E-94CA20B3891B}" type="datetimeFigureOut">
               <a:rPr kumimoji="1" lang="ja-JP" altLang="en-US" smtClean="0"/>
-              <a:t>2021/9/12</a:t>
+              <a:t>2022/1/6</a:t>
             </a:fld>
             <a:endParaRPr kumimoji="1" lang="ja-JP" altLang="en-US"/>
           </a:p>
@@ -2175,7 +2181,7 @@
           <a:p>
             <a:fld id="{A321D4C0-0988-4C18-896E-94CA20B3891B}" type="datetimeFigureOut">
               <a:rPr kumimoji="1" lang="ja-JP" altLang="en-US" smtClean="0"/>
-              <a:t>2021/9/12</a:t>
+              <a:t>2022/1/6</a:t>
             </a:fld>
             <a:endParaRPr kumimoji="1" lang="ja-JP" altLang="en-US"/>
           </a:p>
@@ -2288,7 +2294,7 @@
           <a:p>
             <a:fld id="{A321D4C0-0988-4C18-896E-94CA20B3891B}" type="datetimeFigureOut">
               <a:rPr kumimoji="1" lang="ja-JP" altLang="en-US" smtClean="0"/>
-              <a:t>2021/9/12</a:t>
+              <a:t>2022/1/6</a:t>
             </a:fld>
             <a:endParaRPr kumimoji="1" lang="ja-JP" altLang="en-US"/>
           </a:p>
@@ -2631,7 +2637,7 @@
           <a:p>
             <a:fld id="{A321D4C0-0988-4C18-896E-94CA20B3891B}" type="datetimeFigureOut">
               <a:rPr kumimoji="1" lang="ja-JP" altLang="en-US" smtClean="0"/>
-              <a:t>2021/9/12</a:t>
+              <a:t>2022/1/6</a:t>
             </a:fld>
             <a:endParaRPr kumimoji="1" lang="ja-JP" altLang="en-US"/>
           </a:p>
@@ -2919,7 +2925,7 @@
           <a:p>
             <a:fld id="{A321D4C0-0988-4C18-896E-94CA20B3891B}" type="datetimeFigureOut">
               <a:rPr kumimoji="1" lang="ja-JP" altLang="en-US" smtClean="0"/>
-              <a:t>2021/9/12</a:t>
+              <a:t>2022/1/6</a:t>
             </a:fld>
             <a:endParaRPr kumimoji="1" lang="ja-JP" altLang="en-US"/>
           </a:p>
@@ -3192,7 +3198,7 @@
           <a:p>
             <a:fld id="{A321D4C0-0988-4C18-896E-94CA20B3891B}" type="datetimeFigureOut">
               <a:rPr kumimoji="1" lang="ja-JP" altLang="en-US" smtClean="0"/>
-              <a:t>2021/9/12</a:t>
+              <a:t>2022/1/6</a:t>
             </a:fld>
             <a:endParaRPr kumimoji="1" lang="ja-JP" altLang="en-US"/>
           </a:p>
@@ -3678,10 +3684,170 @@
           </a:p>
         </p:txBody>
       </p:sp>
+      <p:sp>
+        <p:nvSpPr>
+          <p:cNvPr id="2" name="正方形/長方形 1">
+            <a:extLst>
+              <a:ext uri="{FF2B5EF4-FFF2-40B4-BE49-F238E27FC236}">
+                <a16:creationId xmlns:a16="http://schemas.microsoft.com/office/drawing/2014/main" id="{9D4014D1-90E5-4D9C-8037-2926E623D62C}"/>
+              </a:ext>
+            </a:extLst>
+          </p:cNvPr>
+          <p:cNvSpPr/>
+          <p:nvPr/>
+        </p:nvSpPr>
+        <p:spPr>
+          <a:xfrm>
+            <a:off x="-3458914" y="2012878"/>
+            <a:ext cx="16112103" cy="1754326"/>
+          </a:xfrm>
+          <a:prstGeom prst="rect">
+            <a:avLst/>
+          </a:prstGeom>
+          <a:noFill/>
+        </p:spPr>
+        <p:txBody>
+          <a:bodyPr wrap="none" lIns="91440" tIns="45720" rIns="91440" bIns="45720">
+            <a:spAutoFit/>
+          </a:bodyPr>
+          <a:lstStyle/>
+          <a:p>
+            <a:pPr algn="ctr"/>
+            <a:r>
+              <a:rPr lang="ja-JP" altLang="en-US" sz="5400" b="0" cap="none" spc="0" dirty="0">
+                <a:ln w="0">
+                  <a:solidFill>
+                    <a:srgbClr val="00B0F0"/>
+                  </a:solidFill>
+                </a:ln>
+                <a:solidFill>
+                  <a:schemeClr val="bg1"/>
+                </a:solidFill>
+                <a:effectLst>
+                  <a:reflection blurRad="6350" stA="53000" endA="300" endPos="35500" dir="5400000" sy="-90000" algn="bl" rotWithShape="0"/>
+                </a:effectLst>
+              </a:rPr>
+              <a:t>アノ「 ね？　何かやる前から不安になるより、</a:t>
+            </a:r>
+            <a:endParaRPr lang="en-US" altLang="ja-JP" sz="5400" b="0" cap="none" spc="0" dirty="0">
+              <a:ln w="0">
+                <a:solidFill>
+                  <a:srgbClr val="00B0F0"/>
+                </a:solidFill>
+              </a:ln>
+              <a:solidFill>
+                <a:schemeClr val="bg1"/>
+              </a:solidFill>
+              <a:effectLst>
+                <a:reflection blurRad="6350" stA="53000" endA="300" endPos="35500" dir="5400000" sy="-90000" algn="bl" rotWithShape="0"/>
+              </a:effectLst>
+            </a:endParaRPr>
+          </a:p>
+          <a:p>
+            <a:pPr algn="ctr"/>
+            <a:r>
+              <a:rPr lang="ja-JP" altLang="en-US" sz="5400" b="0" cap="none" spc="0" dirty="0">
+                <a:ln w="0">
+                  <a:solidFill>
+                    <a:srgbClr val="00B0F0"/>
+                  </a:solidFill>
+                </a:ln>
+                <a:solidFill>
+                  <a:schemeClr val="bg1"/>
+                </a:solidFill>
+                <a:effectLst>
+                  <a:reflection blurRad="6350" stA="53000" endA="300" endPos="35500" dir="5400000" sy="-90000" algn="bl" rotWithShape="0"/>
+                </a:effectLst>
+              </a:rPr>
+              <a:t>まずその何かをやれば出来る予感がするでしょ？」</a:t>
+            </a:r>
+          </a:p>
+        </p:txBody>
+      </p:sp>
     </p:spTree>
     <p:extLst>
       <p:ext uri="{BB962C8B-B14F-4D97-AF65-F5344CB8AC3E}">
         <p14:creationId xmlns:p14="http://schemas.microsoft.com/office/powerpoint/2010/main" val="4013394759"/>
+      </p:ext>
+    </p:extLst>
+  </p:cSld>
+  <p:clrMapOvr>
+    <a:masterClrMapping/>
+  </p:clrMapOvr>
+</p:sld>
+</file>
+
+<file path=ppt/slides/slide2.xml><?xml version="1.0" encoding="utf-8"?>
+<p:sld xmlns:a="http://schemas.openxmlformats.org/drawingml/2006/main" xmlns:r="http://schemas.openxmlformats.org/officeDocument/2006/relationships" xmlns:p="http://schemas.openxmlformats.org/presentationml/2006/main">
+  <p:cSld>
+    <p:spTree>
+      <p:nvGrpSpPr>
+        <p:cNvPr id="1" name=""/>
+        <p:cNvGrpSpPr/>
+        <p:nvPr/>
+      </p:nvGrpSpPr>
+      <p:grpSpPr>
+        <a:xfrm>
+          <a:off x="0" y="0"/>
+          <a:ext cx="0" cy="0"/>
+          <a:chOff x="0" y="0"/>
+          <a:chExt cx="0" cy="0"/>
+        </a:xfrm>
+      </p:grpSpPr>
+      <p:sp>
+        <p:nvSpPr>
+          <p:cNvPr id="2" name="タイトル 1">
+            <a:extLst>
+              <a:ext uri="{FF2B5EF4-FFF2-40B4-BE49-F238E27FC236}">
+                <a16:creationId xmlns:a16="http://schemas.microsoft.com/office/drawing/2014/main" id="{C7FC1184-E818-4925-B349-C73771CE7506}"/>
+              </a:ext>
+            </a:extLst>
+          </p:cNvPr>
+          <p:cNvSpPr>
+            <a:spLocks noGrp="1"/>
+          </p:cNvSpPr>
+          <p:nvPr>
+            <p:ph type="title"/>
+          </p:nvPr>
+        </p:nvSpPr>
+        <p:spPr/>
+        <p:txBody>
+          <a:bodyPr/>
+          <a:lstStyle/>
+          <a:p>
+            <a:endParaRPr kumimoji="1" lang="ja-JP" altLang="en-US" dirty="0"/>
+          </a:p>
+        </p:txBody>
+      </p:sp>
+      <p:sp>
+        <p:nvSpPr>
+          <p:cNvPr id="3" name="コンテンツ プレースホルダー 2">
+            <a:extLst>
+              <a:ext uri="{FF2B5EF4-FFF2-40B4-BE49-F238E27FC236}">
+                <a16:creationId xmlns:a16="http://schemas.microsoft.com/office/drawing/2014/main" id="{2ED1E7E5-7858-4886-AC2B-9625CD0AFD31}"/>
+              </a:ext>
+            </a:extLst>
+          </p:cNvPr>
+          <p:cNvSpPr>
+            <a:spLocks noGrp="1"/>
+          </p:cNvSpPr>
+          <p:nvPr>
+            <p:ph idx="1"/>
+          </p:nvPr>
+        </p:nvSpPr>
+        <p:spPr/>
+        <p:txBody>
+          <a:bodyPr/>
+          <a:lstStyle/>
+          <a:p>
+            <a:endParaRPr kumimoji="1" lang="ja-JP" altLang="en-US"/>
+          </a:p>
+        </p:txBody>
+      </p:sp>
+    </p:spTree>
+    <p:extLst>
+      <p:ext uri="{BB962C8B-B14F-4D97-AF65-F5344CB8AC3E}">
+        <p14:creationId xmlns:p14="http://schemas.microsoft.com/office/powerpoint/2010/main" val="2529666072"/>
       </p:ext>
     </p:extLst>
   </p:cSld>
